--- a/cours_aws.pptx
+++ b/cours_aws.pptx
@@ -13,6 +13,9 @@
     <p:sldId id="259" r:id="rId7"/>
     <p:sldId id="260" r:id="rId8"/>
     <p:sldId id="261" r:id="rId9"/>
+    <p:sldId id="265" r:id="rId10"/>
+    <p:sldId id="266" r:id="rId11"/>
+    <p:sldId id="268" r:id="rId12"/>
   </p:sldIdLst>
   <p:sldSz cx="12192000" cy="6858000"/>
   <p:notesSz cx="6858000" cy="9144000"/>
@@ -111,6 +114,11 @@
       </a:defRPr>
     </a:lvl9pPr>
   </p:defaultTextStyle>
+  <p:extLst>
+    <p:ext uri="{EFAFB233-063F-42B5-8137-9DF3F51BA10A}">
+      <p15:sldGuideLst xmlns:p15="http://schemas.microsoft.com/office/powerpoint/2012/main"/>
+    </p:ext>
+  </p:extLst>
 </p:presentation>
 </file>
 
@@ -245,7 +253,7 @@
           <a:p>
             <a:fld id="{42796F3E-74CD-4137-8873-157A2E78685E}" type="datetimeFigureOut">
               <a:rPr lang="en-US" smtClean="0"/>
-              <a:t>9/29/2024</a:t>
+              <a:t>9/30/2024</a:t>
             </a:fld>
             <a:endParaRPr lang="en-US"/>
           </a:p>
@@ -415,7 +423,7 @@
           <a:p>
             <a:fld id="{42796F3E-74CD-4137-8873-157A2E78685E}" type="datetimeFigureOut">
               <a:rPr lang="en-US" smtClean="0"/>
-              <a:t>9/29/2024</a:t>
+              <a:t>9/30/2024</a:t>
             </a:fld>
             <a:endParaRPr lang="en-US"/>
           </a:p>
@@ -595,7 +603,7 @@
           <a:p>
             <a:fld id="{42796F3E-74CD-4137-8873-157A2E78685E}" type="datetimeFigureOut">
               <a:rPr lang="en-US" smtClean="0"/>
-              <a:t>9/29/2024</a:t>
+              <a:t>9/30/2024</a:t>
             </a:fld>
             <a:endParaRPr lang="en-US"/>
           </a:p>
@@ -765,7 +773,7 @@
           <a:p>
             <a:fld id="{42796F3E-74CD-4137-8873-157A2E78685E}" type="datetimeFigureOut">
               <a:rPr lang="en-US" smtClean="0"/>
-              <a:t>9/29/2024</a:t>
+              <a:t>9/30/2024</a:t>
             </a:fld>
             <a:endParaRPr lang="en-US"/>
           </a:p>
@@ -1011,7 +1019,7 @@
           <a:p>
             <a:fld id="{42796F3E-74CD-4137-8873-157A2E78685E}" type="datetimeFigureOut">
               <a:rPr lang="en-US" smtClean="0"/>
-              <a:t>9/29/2024</a:t>
+              <a:t>9/30/2024</a:t>
             </a:fld>
             <a:endParaRPr lang="en-US"/>
           </a:p>
@@ -1243,7 +1251,7 @@
           <a:p>
             <a:fld id="{42796F3E-74CD-4137-8873-157A2E78685E}" type="datetimeFigureOut">
               <a:rPr lang="en-US" smtClean="0"/>
-              <a:t>9/29/2024</a:t>
+              <a:t>9/30/2024</a:t>
             </a:fld>
             <a:endParaRPr lang="en-US"/>
           </a:p>
@@ -1610,7 +1618,7 @@
           <a:p>
             <a:fld id="{42796F3E-74CD-4137-8873-157A2E78685E}" type="datetimeFigureOut">
               <a:rPr lang="en-US" smtClean="0"/>
-              <a:t>9/29/2024</a:t>
+              <a:t>9/30/2024</a:t>
             </a:fld>
             <a:endParaRPr lang="en-US"/>
           </a:p>
@@ -1728,7 +1736,7 @@
           <a:p>
             <a:fld id="{42796F3E-74CD-4137-8873-157A2E78685E}" type="datetimeFigureOut">
               <a:rPr lang="en-US" smtClean="0"/>
-              <a:t>9/29/2024</a:t>
+              <a:t>9/30/2024</a:t>
             </a:fld>
             <a:endParaRPr lang="en-US"/>
           </a:p>
@@ -1823,7 +1831,7 @@
           <a:p>
             <a:fld id="{42796F3E-74CD-4137-8873-157A2E78685E}" type="datetimeFigureOut">
               <a:rPr lang="en-US" smtClean="0"/>
-              <a:t>9/29/2024</a:t>
+              <a:t>9/30/2024</a:t>
             </a:fld>
             <a:endParaRPr lang="en-US"/>
           </a:p>
@@ -2100,7 +2108,7 @@
           <a:p>
             <a:fld id="{42796F3E-74CD-4137-8873-157A2E78685E}" type="datetimeFigureOut">
               <a:rPr lang="en-US" smtClean="0"/>
-              <a:t>9/29/2024</a:t>
+              <a:t>9/30/2024</a:t>
             </a:fld>
             <a:endParaRPr lang="en-US"/>
           </a:p>
@@ -2353,7 +2361,7 @@
           <a:p>
             <a:fld id="{42796F3E-74CD-4137-8873-157A2E78685E}" type="datetimeFigureOut">
               <a:rPr lang="en-US" smtClean="0"/>
-              <a:t>9/29/2024</a:t>
+              <a:t>9/30/2024</a:t>
             </a:fld>
             <a:endParaRPr lang="en-US"/>
           </a:p>
@@ -2566,7 +2574,7 @@
           <a:p>
             <a:fld id="{42796F3E-74CD-4137-8873-157A2E78685E}" type="datetimeFigureOut">
               <a:rPr lang="en-US" smtClean="0"/>
-              <a:t>9/29/2024</a:t>
+              <a:t>9/30/2024</a:t>
             </a:fld>
             <a:endParaRPr lang="en-US"/>
           </a:p>
@@ -3083,6 +3091,253 @@
 </p:sld>
 </file>
 
+<file path=ppt/slides/slide10.xml><?xml version="1.0" encoding="utf-8"?>
+<p:sld xmlns:a="http://schemas.openxmlformats.org/drawingml/2006/main" xmlns:r="http://schemas.openxmlformats.org/officeDocument/2006/relationships" xmlns:p="http://schemas.openxmlformats.org/presentationml/2006/main">
+  <p:cSld>
+    <p:spTree>
+      <p:nvGrpSpPr>
+        <p:cNvPr id="1" name=""/>
+        <p:cNvGrpSpPr/>
+        <p:nvPr/>
+      </p:nvGrpSpPr>
+      <p:grpSpPr>
+        <a:xfrm>
+          <a:off x="0" y="0"/>
+          <a:ext cx="0" cy="0"/>
+          <a:chOff x="0" y="0"/>
+          <a:chExt cx="0" cy="0"/>
+        </a:xfrm>
+      </p:grpSpPr>
+      <p:pic>
+        <p:nvPicPr>
+          <p:cNvPr id="5" name="Picture 4"/>
+          <p:cNvPicPr>
+            <a:picLocks noChangeAspect="1"/>
+          </p:cNvPicPr>
+          <p:nvPr/>
+        </p:nvPicPr>
+        <p:blipFill>
+          <a:blip r:embed="rId2"/>
+          <a:stretch>
+            <a:fillRect/>
+          </a:stretch>
+        </p:blipFill>
+        <p:spPr>
+          <a:xfrm>
+            <a:off x="497839" y="652666"/>
+            <a:ext cx="11125869" cy="5433174"/>
+          </a:xfrm>
+          <a:prstGeom prst="rect">
+            <a:avLst/>
+          </a:prstGeom>
+        </p:spPr>
+      </p:pic>
+    </p:spTree>
+    <p:extLst>
+      <p:ext uri="{BB962C8B-B14F-4D97-AF65-F5344CB8AC3E}">
+        <p14:creationId xmlns:p14="http://schemas.microsoft.com/office/powerpoint/2010/main" val="693944295"/>
+      </p:ext>
+    </p:extLst>
+  </p:cSld>
+  <p:clrMapOvr>
+    <a:masterClrMapping/>
+  </p:clrMapOvr>
+</p:sld>
+</file>
+
+<file path=ppt/slides/slide11.xml><?xml version="1.0" encoding="utf-8"?>
+<p:sld xmlns:a="http://schemas.openxmlformats.org/drawingml/2006/main" xmlns:r="http://schemas.openxmlformats.org/officeDocument/2006/relationships" xmlns:p="http://schemas.openxmlformats.org/presentationml/2006/main">
+  <p:cSld>
+    <p:spTree>
+      <p:nvGrpSpPr>
+        <p:cNvPr id="1" name=""/>
+        <p:cNvGrpSpPr/>
+        <p:nvPr/>
+      </p:nvGrpSpPr>
+      <p:grpSpPr>
+        <a:xfrm>
+          <a:off x="0" y="0"/>
+          <a:ext cx="0" cy="0"/>
+          <a:chOff x="0" y="0"/>
+          <a:chExt cx="0" cy="0"/>
+        </a:xfrm>
+      </p:grpSpPr>
+      <p:sp>
+        <p:nvSpPr>
+          <p:cNvPr id="2" name="Title 1"/>
+          <p:cNvSpPr>
+            <a:spLocks noGrp="1"/>
+          </p:cNvSpPr>
+          <p:nvPr>
+            <p:ph type="title"/>
+          </p:nvPr>
+        </p:nvSpPr>
+        <p:spPr/>
+        <p:txBody>
+          <a:bodyPr/>
+          <a:lstStyle/>
+          <a:p>
+            <a:r>
+              <a:rPr lang="fr-FR" dirty="0" smtClean="0"/>
+              <a:t>AWS… Services</a:t>
+            </a:r>
+            <a:endParaRPr lang="en-US" dirty="0"/>
+          </a:p>
+        </p:txBody>
+      </p:sp>
+      <p:sp>
+        <p:nvSpPr>
+          <p:cNvPr id="3" name="Content Placeholder 2"/>
+          <p:cNvSpPr>
+            <a:spLocks noGrp="1"/>
+          </p:cNvSpPr>
+          <p:nvPr>
+            <p:ph idx="1"/>
+          </p:nvPr>
+        </p:nvSpPr>
+        <p:spPr/>
+        <p:txBody>
+          <a:bodyPr>
+            <a:normAutofit lnSpcReduction="10000"/>
+          </a:bodyPr>
+          <a:lstStyle/>
+          <a:p>
+            <a:r>
+              <a:rPr lang="fr-FR" dirty="0" smtClean="0"/>
+              <a:t>Disponibilité par région</a:t>
+            </a:r>
+          </a:p>
+          <a:p>
+            <a:r>
+              <a:rPr lang="fr-FR" dirty="0" smtClean="0"/>
+              <a:t>Liste très longue de services</a:t>
+            </a:r>
+          </a:p>
+          <a:p>
+            <a:pPr lvl="1">
+              <a:buFont typeface="Courier New" panose="02070309020205020404" pitchFamily="49" charset="0"/>
+              <a:buChar char="o"/>
+            </a:pPr>
+            <a:r>
+              <a:rPr lang="fr-FR" dirty="0" smtClean="0"/>
+              <a:t>Applications (EC2…)</a:t>
+            </a:r>
+          </a:p>
+          <a:p>
+            <a:pPr lvl="1">
+              <a:buFont typeface="Courier New" panose="02070309020205020404" pitchFamily="49" charset="0"/>
+              <a:buChar char="o"/>
+            </a:pPr>
+            <a:r>
+              <a:rPr lang="fr-FR" dirty="0" smtClean="0"/>
+              <a:t>Sécurité (IAM, SSL, Cloud Directory…)</a:t>
+            </a:r>
+          </a:p>
+          <a:p>
+            <a:pPr lvl="1">
+              <a:buFont typeface="Courier New" panose="02070309020205020404" pitchFamily="49" charset="0"/>
+              <a:buChar char="o"/>
+            </a:pPr>
+            <a:r>
+              <a:rPr lang="fr-FR" dirty="0" err="1" smtClean="0"/>
+              <a:t>Databases</a:t>
+            </a:r>
+            <a:r>
+              <a:rPr lang="fr-FR" dirty="0" smtClean="0"/>
+              <a:t> (instances, migrations…)</a:t>
+            </a:r>
+          </a:p>
+          <a:p>
+            <a:pPr lvl="1">
+              <a:buFont typeface="Courier New" panose="02070309020205020404" pitchFamily="49" charset="0"/>
+              <a:buChar char="o"/>
+            </a:pPr>
+            <a:r>
+              <a:rPr lang="fr-FR" dirty="0" smtClean="0"/>
+              <a:t>Stockage (S3…)</a:t>
+            </a:r>
+          </a:p>
+          <a:p>
+            <a:pPr lvl="1">
+              <a:buFont typeface="Courier New" panose="02070309020205020404" pitchFamily="49" charset="0"/>
+              <a:buChar char="o"/>
+            </a:pPr>
+            <a:r>
+              <a:rPr lang="fr-FR" dirty="0" smtClean="0"/>
+              <a:t>Calculs (</a:t>
+            </a:r>
+            <a:r>
+              <a:rPr lang="fr-FR" dirty="0" err="1" smtClean="0"/>
+              <a:t>Lambdas</a:t>
+            </a:r>
+            <a:r>
+              <a:rPr lang="fr-FR" dirty="0" smtClean="0"/>
+              <a:t>…)</a:t>
+            </a:r>
+          </a:p>
+          <a:p>
+            <a:pPr lvl="1">
+              <a:buFont typeface="Courier New" panose="02070309020205020404" pitchFamily="49" charset="0"/>
+              <a:buChar char="o"/>
+            </a:pPr>
+            <a:r>
+              <a:rPr lang="fr-FR" dirty="0" smtClean="0"/>
+              <a:t>Conteneurs (ECS, EKS…)</a:t>
+            </a:r>
+          </a:p>
+          <a:p>
+            <a:pPr lvl="1">
+              <a:buFont typeface="Courier New" panose="02070309020205020404" pitchFamily="49" charset="0"/>
+              <a:buChar char="o"/>
+            </a:pPr>
+            <a:r>
+              <a:rPr lang="fr-FR" dirty="0" smtClean="0"/>
+              <a:t>Jeux</a:t>
+            </a:r>
+          </a:p>
+          <a:p>
+            <a:pPr lvl="1">
+              <a:buFont typeface="Courier New" panose="02070309020205020404" pitchFamily="49" charset="0"/>
+              <a:buChar char="o"/>
+            </a:pPr>
+            <a:r>
+              <a:rPr lang="fr-FR" dirty="0" err="1" smtClean="0"/>
+              <a:t>IoT</a:t>
+            </a:r>
+            <a:endParaRPr lang="fr-FR" dirty="0" smtClean="0"/>
+          </a:p>
+          <a:p>
+            <a:pPr lvl="1">
+              <a:buFont typeface="Courier New" panose="02070309020205020404" pitchFamily="49" charset="0"/>
+              <a:buChar char="o"/>
+            </a:pPr>
+            <a:r>
+              <a:rPr lang="fr-FR" dirty="0" smtClean="0"/>
+              <a:t>…</a:t>
+            </a:r>
+          </a:p>
+          <a:p>
+            <a:pPr lvl="1">
+              <a:buFont typeface="Courier New" panose="02070309020205020404" pitchFamily="49" charset="0"/>
+              <a:buChar char="o"/>
+            </a:pPr>
+            <a:endParaRPr lang="en-US" dirty="0"/>
+          </a:p>
+        </p:txBody>
+      </p:sp>
+    </p:spTree>
+    <p:extLst>
+      <p:ext uri="{BB962C8B-B14F-4D97-AF65-F5344CB8AC3E}">
+        <p14:creationId xmlns:p14="http://schemas.microsoft.com/office/powerpoint/2010/main" val="1479072419"/>
+      </p:ext>
+    </p:extLst>
+  </p:cSld>
+  <p:clrMapOvr>
+    <a:masterClrMapping/>
+  </p:clrMapOvr>
+</p:sld>
+</file>
+
 <file path=ppt/slides/slide2.xml><?xml version="1.0" encoding="utf-8"?>
 <p:sld xmlns:a="http://schemas.openxmlformats.org/drawingml/2006/main" xmlns:r="http://schemas.openxmlformats.org/officeDocument/2006/relationships" xmlns:p="http://schemas.openxmlformats.org/presentationml/2006/main">
   <p:cSld>
@@ -4028,6 +4283,178 @@
     <p:extLst>
       <p:ext uri="{BB962C8B-B14F-4D97-AF65-F5344CB8AC3E}">
         <p14:creationId xmlns:p14="http://schemas.microsoft.com/office/powerpoint/2010/main" val="2802121426"/>
+      </p:ext>
+    </p:extLst>
+  </p:cSld>
+  <p:clrMapOvr>
+    <a:masterClrMapping/>
+  </p:clrMapOvr>
+</p:sld>
+</file>
+
+<file path=ppt/slides/slide9.xml><?xml version="1.0" encoding="utf-8"?>
+<p:sld xmlns:a="http://schemas.openxmlformats.org/drawingml/2006/main" xmlns:r="http://schemas.openxmlformats.org/officeDocument/2006/relationships" xmlns:p="http://schemas.openxmlformats.org/presentationml/2006/main">
+  <p:cSld>
+    <p:spTree>
+      <p:nvGrpSpPr>
+        <p:cNvPr id="1" name=""/>
+        <p:cNvGrpSpPr/>
+        <p:nvPr/>
+      </p:nvGrpSpPr>
+      <p:grpSpPr>
+        <a:xfrm>
+          <a:off x="0" y="0"/>
+          <a:ext cx="0" cy="0"/>
+          <a:chOff x="0" y="0"/>
+          <a:chExt cx="0" cy="0"/>
+        </a:xfrm>
+      </p:grpSpPr>
+      <p:sp>
+        <p:nvSpPr>
+          <p:cNvPr id="2" name="Title 1"/>
+          <p:cNvSpPr>
+            <a:spLocks noGrp="1"/>
+          </p:cNvSpPr>
+          <p:nvPr>
+            <p:ph type="title"/>
+          </p:nvPr>
+        </p:nvSpPr>
+        <p:spPr/>
+        <p:txBody>
+          <a:bodyPr/>
+          <a:lstStyle/>
+          <a:p>
+            <a:r>
+              <a:rPr lang="en-US" b="1" dirty="0"/>
+              <a:t>AWS Identity and Access Management (</a:t>
+            </a:r>
+            <a:r>
+              <a:rPr lang="en-US" b="1" dirty="0" smtClean="0"/>
+              <a:t>IAM)</a:t>
+            </a:r>
+            <a:endParaRPr lang="en-US" dirty="0"/>
+          </a:p>
+        </p:txBody>
+      </p:sp>
+      <p:sp>
+        <p:nvSpPr>
+          <p:cNvPr id="3" name="Text Placeholder 2"/>
+          <p:cNvSpPr>
+            <a:spLocks noGrp="1"/>
+          </p:cNvSpPr>
+          <p:nvPr>
+            <p:ph type="body" idx="1"/>
+          </p:nvPr>
+        </p:nvSpPr>
+        <p:spPr/>
+        <p:txBody>
+          <a:bodyPr/>
+          <a:lstStyle/>
+          <a:p>
+            <a:r>
+              <a:rPr lang="fr-FR" dirty="0"/>
+              <a:t>Service utilisé pour </a:t>
+            </a:r>
+            <a:r>
+              <a:rPr lang="fr-FR" dirty="0" smtClean="0"/>
+              <a:t>contrôler </a:t>
+            </a:r>
+            <a:r>
+              <a:rPr lang="fr-FR" dirty="0"/>
+              <a:t>d’une manière sécurisée l’accès à vos ressources </a:t>
+            </a:r>
+            <a:r>
+              <a:rPr lang="fr-FR" dirty="0" smtClean="0"/>
+              <a:t>AWS</a:t>
+            </a:r>
+          </a:p>
+          <a:p>
+            <a:r>
+              <a:rPr lang="fr-FR" dirty="0" smtClean="0"/>
+              <a:t>Contrôle l’authentification (</a:t>
+            </a:r>
+            <a:r>
+              <a:rPr lang="fr-FR" dirty="0" err="1" smtClean="0"/>
+              <a:t>who</a:t>
+            </a:r>
+            <a:r>
+              <a:rPr lang="fr-FR" dirty="0" smtClean="0"/>
+              <a:t>) et les </a:t>
+            </a:r>
+            <a:r>
+              <a:rPr lang="fr-FR" dirty="0" err="1" smtClean="0"/>
+              <a:t>authorisations</a:t>
+            </a:r>
+            <a:r>
+              <a:rPr lang="fr-FR" dirty="0"/>
+              <a:t> </a:t>
+            </a:r>
+            <a:r>
+              <a:rPr lang="fr-FR" dirty="0" smtClean="0"/>
+              <a:t>(</a:t>
+            </a:r>
+            <a:r>
+              <a:rPr lang="fr-FR" dirty="0" err="1" smtClean="0"/>
+              <a:t>what</a:t>
+            </a:r>
+            <a:r>
+              <a:rPr lang="fr-FR" dirty="0" smtClean="0"/>
+              <a:t> </a:t>
+            </a:r>
+            <a:r>
+              <a:rPr lang="fr-FR" dirty="0" err="1" smtClean="0"/>
+              <a:t>they</a:t>
+            </a:r>
+            <a:r>
+              <a:rPr lang="fr-FR" dirty="0" smtClean="0"/>
+              <a:t> </a:t>
+            </a:r>
+            <a:r>
+              <a:rPr lang="fr-FR" dirty="0" err="1" smtClean="0"/>
+              <a:t>can</a:t>
+            </a:r>
+            <a:r>
+              <a:rPr lang="fr-FR" dirty="0" smtClean="0"/>
+              <a:t> do)</a:t>
+            </a:r>
+            <a:endParaRPr lang="en-US" dirty="0"/>
+          </a:p>
+        </p:txBody>
+      </p:sp>
+      <p:pic>
+        <p:nvPicPr>
+          <p:cNvPr id="4" name="Content Placeholder 5"/>
+          <p:cNvPicPr>
+            <a:picLocks noChangeAspect="1"/>
+          </p:cNvPicPr>
+          <p:nvPr/>
+        </p:nvPicPr>
+        <p:blipFill>
+          <a:blip r:embed="rId2" cstate="print">
+            <a:extLst>
+              <a:ext uri="{28A0092B-C50C-407E-A947-70E740481C1C}">
+                <a14:useLocalDpi xmlns:a14="http://schemas.microsoft.com/office/drawing/2010/main" val="0"/>
+              </a:ext>
+            </a:extLst>
+          </a:blip>
+          <a:stretch>
+            <a:fillRect/>
+          </a:stretch>
+        </p:blipFill>
+        <p:spPr>
+          <a:xfrm>
+            <a:off x="8893159" y="2554288"/>
+            <a:ext cx="2454291" cy="1842135"/>
+          </a:xfrm>
+          <a:prstGeom prst="rect">
+            <a:avLst/>
+          </a:prstGeom>
+        </p:spPr>
+      </p:pic>
+    </p:spTree>
+    <p:extLst>
+      <p:ext uri="{BB962C8B-B14F-4D97-AF65-F5344CB8AC3E}">
+        <p14:creationId xmlns:p14="http://schemas.microsoft.com/office/powerpoint/2010/main" val="2646785152"/>
       </p:ext>
     </p:extLst>
   </p:cSld>
